--- a/slides/intro_to_programming.pptx
+++ b/slides/intro_to_programming.pptx
@@ -217,7 +217,7 @@
           <a:p>
             <a:fld id="{E75714D3-F03F-4318-B373-ED99D311E693}" type="datetimeFigureOut">
               <a:rPr lang="en-CA" smtClean="0"/>
-              <a:t>2022-12-17</a:t>
+              <a:t>2022-12-18</a:t>
             </a:fld>
             <a:endParaRPr lang="en-CA"/>
           </a:p>
@@ -916,7 +916,7 @@
           <a:p>
             <a:fld id="{CD5C7DB2-82CD-43A9-8C57-8902D3F37207}" type="datetimeFigureOut">
               <a:rPr lang="en-CA" smtClean="0"/>
-              <a:t>2022-12-17</a:t>
+              <a:t>2022-12-18</a:t>
             </a:fld>
             <a:endParaRPr lang="en-CA"/>
           </a:p>
@@ -1116,7 +1116,7 @@
           <a:p>
             <a:fld id="{CD5C7DB2-82CD-43A9-8C57-8902D3F37207}" type="datetimeFigureOut">
               <a:rPr lang="en-CA" smtClean="0"/>
-              <a:t>2022-12-17</a:t>
+              <a:t>2022-12-18</a:t>
             </a:fld>
             <a:endParaRPr lang="en-CA"/>
           </a:p>
@@ -1326,7 +1326,7 @@
           <a:p>
             <a:fld id="{CD5C7DB2-82CD-43A9-8C57-8902D3F37207}" type="datetimeFigureOut">
               <a:rPr lang="en-CA" smtClean="0"/>
-              <a:t>2022-12-17</a:t>
+              <a:t>2022-12-18</a:t>
             </a:fld>
             <a:endParaRPr lang="en-CA"/>
           </a:p>
@@ -1526,7 +1526,7 @@
           <a:p>
             <a:fld id="{CD5C7DB2-82CD-43A9-8C57-8902D3F37207}" type="datetimeFigureOut">
               <a:rPr lang="en-CA" smtClean="0"/>
-              <a:t>2022-12-17</a:t>
+              <a:t>2022-12-18</a:t>
             </a:fld>
             <a:endParaRPr lang="en-CA"/>
           </a:p>
@@ -1802,7 +1802,7 @@
           <a:p>
             <a:fld id="{CD5C7DB2-82CD-43A9-8C57-8902D3F37207}" type="datetimeFigureOut">
               <a:rPr lang="en-CA" smtClean="0"/>
-              <a:t>2022-12-17</a:t>
+              <a:t>2022-12-18</a:t>
             </a:fld>
             <a:endParaRPr lang="en-CA"/>
           </a:p>
@@ -2070,7 +2070,7 @@
           <a:p>
             <a:fld id="{CD5C7DB2-82CD-43A9-8C57-8902D3F37207}" type="datetimeFigureOut">
               <a:rPr lang="en-CA" smtClean="0"/>
-              <a:t>2022-12-17</a:t>
+              <a:t>2022-12-18</a:t>
             </a:fld>
             <a:endParaRPr lang="en-CA"/>
           </a:p>
@@ -2485,7 +2485,7 @@
           <a:p>
             <a:fld id="{CD5C7DB2-82CD-43A9-8C57-8902D3F37207}" type="datetimeFigureOut">
               <a:rPr lang="en-CA" smtClean="0"/>
-              <a:t>2022-12-17</a:t>
+              <a:t>2022-12-18</a:t>
             </a:fld>
             <a:endParaRPr lang="en-CA"/>
           </a:p>
@@ -2627,7 +2627,7 @@
           <a:p>
             <a:fld id="{CD5C7DB2-82CD-43A9-8C57-8902D3F37207}" type="datetimeFigureOut">
               <a:rPr lang="en-CA" smtClean="0"/>
-              <a:t>2022-12-17</a:t>
+              <a:t>2022-12-18</a:t>
             </a:fld>
             <a:endParaRPr lang="en-CA"/>
           </a:p>
@@ -2740,7 +2740,7 @@
           <a:p>
             <a:fld id="{CD5C7DB2-82CD-43A9-8C57-8902D3F37207}" type="datetimeFigureOut">
               <a:rPr lang="en-CA" smtClean="0"/>
-              <a:t>2022-12-17</a:t>
+              <a:t>2022-12-18</a:t>
             </a:fld>
             <a:endParaRPr lang="en-CA"/>
           </a:p>
@@ -3053,7 +3053,7 @@
           <a:p>
             <a:fld id="{CD5C7DB2-82CD-43A9-8C57-8902D3F37207}" type="datetimeFigureOut">
               <a:rPr lang="en-CA" smtClean="0"/>
-              <a:t>2022-12-17</a:t>
+              <a:t>2022-12-18</a:t>
             </a:fld>
             <a:endParaRPr lang="en-CA"/>
           </a:p>
@@ -3342,7 +3342,7 @@
           <a:p>
             <a:fld id="{CD5C7DB2-82CD-43A9-8C57-8902D3F37207}" type="datetimeFigureOut">
               <a:rPr lang="en-CA" smtClean="0"/>
-              <a:t>2022-12-17</a:t>
+              <a:t>2022-12-18</a:t>
             </a:fld>
             <a:endParaRPr lang="en-CA"/>
           </a:p>
@@ -3585,7 +3585,7 @@
           <a:p>
             <a:fld id="{CD5C7DB2-82CD-43A9-8C57-8902D3F37207}" type="datetimeFigureOut">
               <a:rPr lang="en-CA" smtClean="0"/>
-              <a:t>2022-12-17</a:t>
+              <a:t>2022-12-18</a:t>
             </a:fld>
             <a:endParaRPr lang="en-CA"/>
           </a:p>
@@ -9659,7 +9659,7 @@
         </p:nvSpPr>
         <p:spPr>
           <a:xfrm>
-            <a:off x="1566037" y="4367222"/>
+            <a:off x="1638774" y="4367222"/>
             <a:ext cx="8198069" cy="369332"/>
           </a:xfrm>
           <a:prstGeom prst="rect">
